--- a/images/open_in_livescript.pptx
+++ b/images/open_in_livescript.pptx
@@ -105,6 +105,11 @@
       </a:defRPr>
     </a:lvl9pPr>
   </p:defaultTextStyle>
+  <p:extLst>
+    <p:ext uri="{EFAFB233-063F-42B5-8137-9DF3F51BA10A}">
+      <p15:sldGuideLst xmlns:p15="http://schemas.microsoft.com/office/powerpoint/2012/main"/>
+    </p:ext>
+  </p:extLst>
 </p:presentation>
 </file>
 
@@ -3440,8 +3445,8 @@
         </p:nvGrpSpPr>
         <p:grpSpPr>
           <a:xfrm>
-            <a:off x="9204450" y="2270550"/>
-            <a:ext cx="1603628" cy="1971658"/>
+            <a:off x="8983554" y="2379216"/>
+            <a:ext cx="1426864" cy="1754326"/>
             <a:chOff x="9186112" y="1901916"/>
             <a:chExt cx="2169694" cy="2667636"/>
           </a:xfrm>
@@ -3657,46 +3662,6 @@
           </p:style>
         </p:cxnSp>
       </p:grpSp>
-      <p:sp>
-        <p:nvSpPr>
-          <p:cNvPr id="16" name="TextBox 15">
-            <a:extLst>
-              <a:ext uri="{FF2B5EF4-FFF2-40B4-BE49-F238E27FC236}">
-                <a16:creationId xmlns:a16="http://schemas.microsoft.com/office/drawing/2014/main" id="{D1308643-901A-88E4-6C95-1F56A3D59A8D}"/>
-              </a:ext>
-            </a:extLst>
-          </p:cNvPr>
-          <p:cNvSpPr txBox="1"/>
-          <p:nvPr/>
-        </p:nvSpPr>
-        <p:spPr>
-          <a:xfrm>
-            <a:off x="1543159" y="4343400"/>
-            <a:ext cx="7412607" cy="369332"/>
-          </a:xfrm>
-          <a:prstGeom prst="rect">
-            <a:avLst/>
-          </a:prstGeom>
-          <a:noFill/>
-        </p:spPr>
-        <p:txBody>
-          <a:bodyPr wrap="none" rtlCol="0">
-            <a:spAutoFit/>
-          </a:bodyPr>
-          <a:lstStyle/>
-          <a:p>
-            <a:r>
-              <a:rPr lang="ko-KR" altLang="en-US" dirty="0"/>
-              <a:t>라이브 스크립트를 이용하면 본문 속 코드를 즉각 실행해 볼 수 있습니다</a:t>
-            </a:r>
-            <a:r>
-              <a:rPr lang="en-US" altLang="ko-KR" dirty="0"/>
-              <a:t>.</a:t>
-            </a:r>
-            <a:endParaRPr lang="en-US" dirty="0"/>
-          </a:p>
-        </p:txBody>
-      </p:sp>
     </p:spTree>
     <p:extLst>
       <p:ext uri="{BB962C8B-B14F-4D97-AF65-F5344CB8AC3E}">
